--- a/shadownode-eshine-2019-12/JavaScript-in-IoT.pptx
+++ b/shadownode-eshine-2019-12/JavaScript-in-IoT.pptx
@@ -7964,7 +7964,7 @@
           </a:ln>
           <a:extLst>
             <a:ext uri="{C572A759-6A51-4108-AA02-DFA0A04FC94B}">
-              <ma14:wrappingTextBoxFlag xmlns:ma14="http://schemas.microsoft.com/office/mac/drawingml/2011/main" xmlns:a14="http://schemas.microsoft.com/office/drawing/2010/main" xmlns:m="http://schemas.openxmlformats.org/officeDocument/2006/math" xmlns="" val="1"/>
+              <ma14:wrappingTextBoxFlag xmlns="" xmlns:m="http://schemas.openxmlformats.org/officeDocument/2006/math" xmlns:a14="http://schemas.microsoft.com/office/drawing/2010/main" xmlns:ma14="http://schemas.microsoft.com/office/mac/drawingml/2011/main" val="1"/>
             </a:ext>
           </a:extLst>
         </p:spPr>
@@ -8003,7 +8003,7 @@
           </a:ln>
           <a:extLst>
             <a:ext uri="{C572A759-6A51-4108-AA02-DFA0A04FC94B}">
-              <ma14:wrappingTextBoxFlag xmlns:ma14="http://schemas.microsoft.com/office/mac/drawingml/2011/main" xmlns:a14="http://schemas.microsoft.com/office/drawing/2010/main" xmlns:m="http://schemas.openxmlformats.org/officeDocument/2006/math" xmlns="" val="1"/>
+              <ma14:wrappingTextBoxFlag xmlns="" xmlns:m="http://schemas.openxmlformats.org/officeDocument/2006/math" xmlns:a14="http://schemas.microsoft.com/office/drawing/2010/main" xmlns:ma14="http://schemas.microsoft.com/office/mac/drawingml/2011/main" val="1"/>
             </a:ext>
           </a:extLst>
         </p:spPr>
@@ -9004,7 +9004,7 @@
           </a:ln>
           <a:extLst>
             <a:ext uri="{C572A759-6A51-4108-AA02-DFA0A04FC94B}">
-              <ma14:wrappingTextBoxFlag xmlns:ma14="http://schemas.microsoft.com/office/mac/drawingml/2011/main" xmlns:a14="http://schemas.microsoft.com/office/drawing/2010/main" xmlns:m="http://schemas.openxmlformats.org/officeDocument/2006/math" xmlns="" val="1"/>
+              <ma14:wrappingTextBoxFlag xmlns="" xmlns:m="http://schemas.openxmlformats.org/officeDocument/2006/math" xmlns:a14="http://schemas.microsoft.com/office/drawing/2010/main" xmlns:ma14="http://schemas.microsoft.com/office/mac/drawingml/2011/main" val="1"/>
             </a:ext>
           </a:extLst>
         </p:spPr>
@@ -9218,7 +9218,7 @@
           </a:ln>
           <a:extLst>
             <a:ext uri="{C572A759-6A51-4108-AA02-DFA0A04FC94B}">
-              <ma14:wrappingTextBoxFlag xmlns:ma14="http://schemas.microsoft.com/office/mac/drawingml/2011/main" xmlns:a14="http://schemas.microsoft.com/office/drawing/2010/main" xmlns:m="http://schemas.openxmlformats.org/officeDocument/2006/math" xmlns="" val="1"/>
+              <ma14:wrappingTextBoxFlag xmlns="" xmlns:m="http://schemas.openxmlformats.org/officeDocument/2006/math" xmlns:a14="http://schemas.microsoft.com/office/drawing/2010/main" xmlns:ma14="http://schemas.microsoft.com/office/mac/drawingml/2011/main" val="1"/>
             </a:ext>
           </a:extLst>
         </p:spPr>
@@ -9538,7 +9538,7 @@
           </a:ln>
           <a:extLst>
             <a:ext uri="{C572A759-6A51-4108-AA02-DFA0A04FC94B}">
-              <ma14:wrappingTextBoxFlag xmlns:ma14="http://schemas.microsoft.com/office/mac/drawingml/2011/main" xmlns:a14="http://schemas.microsoft.com/office/drawing/2010/main" xmlns:m="http://schemas.openxmlformats.org/officeDocument/2006/math" xmlns="" val="1"/>
+              <ma14:wrappingTextBoxFlag xmlns="" xmlns:m="http://schemas.openxmlformats.org/officeDocument/2006/math" xmlns:a14="http://schemas.microsoft.com/office/drawing/2010/main" xmlns:ma14="http://schemas.microsoft.com/office/mac/drawingml/2011/main" val="1"/>
             </a:ext>
           </a:extLst>
         </p:spPr>
@@ -9864,7 +9864,7 @@
           </a:ln>
           <a:extLst>
             <a:ext uri="{C572A759-6A51-4108-AA02-DFA0A04FC94B}">
-              <ma14:wrappingTextBoxFlag xmlns:ma14="http://schemas.microsoft.com/office/mac/drawingml/2011/main" xmlns:a14="http://schemas.microsoft.com/office/drawing/2010/main" xmlns:m="http://schemas.openxmlformats.org/officeDocument/2006/math" xmlns="" val="1"/>
+              <ma14:wrappingTextBoxFlag xmlns="" xmlns:m="http://schemas.openxmlformats.org/officeDocument/2006/math" xmlns:a14="http://schemas.microsoft.com/office/drawing/2010/main" xmlns:ma14="http://schemas.microsoft.com/office/mac/drawingml/2011/main" val="1"/>
             </a:ext>
           </a:extLst>
         </p:spPr>
@@ -10499,7 +10499,7 @@
           </a:ln>
           <a:extLst>
             <a:ext uri="{C572A759-6A51-4108-AA02-DFA0A04FC94B}">
-              <ma14:wrappingTextBoxFlag xmlns:ma14="http://schemas.microsoft.com/office/mac/drawingml/2011/main" xmlns:a14="http://schemas.microsoft.com/office/drawing/2010/main" xmlns:m="http://schemas.openxmlformats.org/officeDocument/2006/math" xmlns="" val="1"/>
+              <ma14:wrappingTextBoxFlag xmlns="" xmlns:m="http://schemas.openxmlformats.org/officeDocument/2006/math" xmlns:a14="http://schemas.microsoft.com/office/drawing/2010/main" xmlns:ma14="http://schemas.microsoft.com/office/mac/drawingml/2011/main" val="1"/>
             </a:ext>
           </a:extLst>
         </p:spPr>
@@ -12450,15 +12450,7 @@
                   <a:schemeClr val="bg1"/>
                 </a:solidFill>
               </a:rPr>
-              <a:t>Comm</a:t>
-            </a:r>
-            <a:r>
-              <a:rPr lang="en-US" sz="5000" dirty="0">
-                <a:solidFill>
-                  <a:schemeClr val="bg1"/>
-                </a:solidFill>
-              </a:rPr>
-              <a:t>unity</a:t>
+              <a:t>Community</a:t>
             </a:r>
             <a:r>
               <a:rPr lang="zh-CN" altLang="en-US" sz="5000" dirty="0">
@@ -12469,7 +12461,7 @@
               <a:t> </a:t>
             </a:r>
             <a:r>
-              <a:rPr lang="en-US" altLang="zh-CN" sz="5000" dirty="0">
+              <a:rPr lang="en-US" altLang="zh-CN" sz="5000" b="1" dirty="0">
                 <a:solidFill>
                   <a:schemeClr val="bg1"/>
                 </a:solidFill>
@@ -12485,14 +12477,14 @@
               <a:t> </a:t>
             </a:r>
             <a:r>
-              <a:rPr lang="en-US" altLang="zh-CN" sz="5000" dirty="0">
+              <a:rPr lang="en-US" altLang="zh-CN" sz="5000" b="1" dirty="0">
                 <a:solidFill>
                   <a:schemeClr val="bg1"/>
                 </a:solidFill>
               </a:rPr>
               <a:t>Commercial</a:t>
             </a:r>
-            <a:endParaRPr lang="en-US" sz="5000" dirty="0">
+            <a:endParaRPr lang="en-US" sz="5000" b="1" dirty="0">
               <a:solidFill>
                 <a:schemeClr val="bg1"/>
               </a:solidFill>
@@ -13754,7 +13746,7 @@
           </a:ln>
           <a:extLst>
             <a:ext uri="{C572A759-6A51-4108-AA02-DFA0A04FC94B}">
-              <ma14:wrappingTextBoxFlag xmlns:ma14="http://schemas.microsoft.com/office/mac/drawingml/2011/main" xmlns:a14="http://schemas.microsoft.com/office/drawing/2010/main" xmlns:m="http://schemas.openxmlformats.org/officeDocument/2006/math" xmlns="" val="1"/>
+              <ma14:wrappingTextBoxFlag xmlns="" xmlns:m="http://schemas.openxmlformats.org/officeDocument/2006/math" xmlns:a14="http://schemas.microsoft.com/office/drawing/2010/main" xmlns:ma14="http://schemas.microsoft.com/office/mac/drawingml/2011/main" val="1"/>
             </a:ext>
           </a:extLst>
         </p:spPr>
@@ -14235,7 +14227,7 @@
         </p:nvSpPr>
         <p:spPr>
           <a:xfrm>
-            <a:off x="5121580" y="5454046"/>
+            <a:off x="5314100" y="5437865"/>
             <a:ext cx="2539158" cy="718145"/>
           </a:xfrm>
           <a:prstGeom prst="rect">
@@ -14493,7 +14485,7 @@
           </a:ln>
           <a:extLst>
             <a:ext uri="{C572A759-6A51-4108-AA02-DFA0A04FC94B}">
-              <ma14:wrappingTextBoxFlag xmlns:ma14="http://schemas.microsoft.com/office/mac/drawingml/2011/main" xmlns:a14="http://schemas.microsoft.com/office/drawing/2010/main" xmlns:m="http://schemas.openxmlformats.org/officeDocument/2006/math" xmlns="" val="1"/>
+              <ma14:wrappingTextBoxFlag xmlns="" xmlns:m="http://schemas.openxmlformats.org/officeDocument/2006/math" xmlns:a14="http://schemas.microsoft.com/office/drawing/2010/main" xmlns:ma14="http://schemas.microsoft.com/office/mac/drawingml/2011/main" val="1"/>
             </a:ext>
           </a:extLst>
         </p:spPr>
@@ -16867,7 +16859,7 @@
           </a:ln>
           <a:extLst>
             <a:ext uri="{C572A759-6A51-4108-AA02-DFA0A04FC94B}">
-              <ma14:wrappingTextBoxFlag xmlns:ma14="http://schemas.microsoft.com/office/mac/drawingml/2011/main" xmlns:a14="http://schemas.microsoft.com/office/drawing/2010/main" xmlns:m="http://schemas.openxmlformats.org/officeDocument/2006/math" xmlns="" val="1"/>
+              <ma14:wrappingTextBoxFlag xmlns="" xmlns:m="http://schemas.openxmlformats.org/officeDocument/2006/math" xmlns:a14="http://schemas.microsoft.com/office/drawing/2010/main" xmlns:ma14="http://schemas.microsoft.com/office/mac/drawingml/2011/main" val="1"/>
             </a:ext>
           </a:extLst>
         </p:spPr>
